--- a/Readme/Projekt.pptx
+++ b/Readme/Projekt.pptx
@@ -8,6 +8,7 @@
     <p:sldId id="256" r:id="rId2"/>
     <p:sldId id="257" r:id="rId3"/>
     <p:sldId id="258" r:id="rId4"/>
+    <p:sldId id="259" r:id="rId5"/>
   </p:sldIdLst>
   <p:sldSz cx="12192000" cy="6858000"/>
   <p:notesSz cx="6858000" cy="9144000"/>
@@ -106,6 +107,11 @@
       </a:defRPr>
     </a:lvl9pPr>
   </p:defaultTextStyle>
+  <p:extLst>
+    <p:ext uri="{EFAFB233-063F-42B5-8137-9DF3F51BA10A}">
+      <p15:sldGuideLst xmlns:p15="http://schemas.microsoft.com/office/powerpoint/2012/main"/>
+    </p:ext>
+  </p:extLst>
 </p:presentation>
 </file>
 
@@ -165,7 +171,7 @@
           </a:lstStyle>
           <a:p>
             <a:r>
-              <a:rPr lang="hu-HU" smtClean="0"/>
+              <a:rPr lang="hu-HU"/>
               <a:t>Mintacím szerkesztése</a:t>
             </a:r>
             <a:endParaRPr lang="en-US" dirty="0"/>
@@ -241,7 +247,7 @@
           </a:lstStyle>
           <a:p>
             <a:r>
-              <a:rPr lang="hu-HU" smtClean="0"/>
+              <a:rPr lang="hu-HU"/>
               <a:t>Kattintson ide az alcím mintájának szerkesztéséhez</a:t>
             </a:r>
             <a:endParaRPr lang="en-US" dirty="0"/>
@@ -279,7 +285,7 @@
             <a:fld id="{87DE6118-2437-4B30-8E3C-4D2BE6020583}" type="datetimeFigureOut">
               <a:rPr lang="en-US" dirty="0"/>
               <a:pPr/>
-              <a:t>3/21/2022</a:t>
+              <a:t>4/10/2022</a:t>
             </a:fld>
             <a:endParaRPr lang="en-US" dirty="0"/>
           </a:p>
@@ -524,7 +530,7 @@
           <a:lstStyle/>
           <a:p>
             <a:r>
-              <a:rPr lang="hu-HU" smtClean="0"/>
+              <a:rPr lang="hu-HU"/>
               <a:t>Mintacím szerkesztése</a:t>
             </a:r>
             <a:endParaRPr lang="en-US" dirty="0"/>
@@ -553,35 +559,35 @@
           <a:p>
             <a:pPr lvl="0"/>
             <a:r>
-              <a:rPr lang="hu-HU" smtClean="0"/>
+              <a:rPr lang="hu-HU"/>
               <a:t>Mintaszöveg szerkesztése</a:t>
             </a:r>
           </a:p>
           <a:p>
             <a:pPr lvl="1"/>
             <a:r>
-              <a:rPr lang="hu-HU" smtClean="0"/>
+              <a:rPr lang="hu-HU"/>
               <a:t>Második szint</a:t>
             </a:r>
           </a:p>
           <a:p>
             <a:pPr lvl="2"/>
             <a:r>
-              <a:rPr lang="hu-HU" smtClean="0"/>
+              <a:rPr lang="hu-HU"/>
               <a:t>Harmadik szint</a:t>
             </a:r>
           </a:p>
           <a:p>
             <a:pPr lvl="3"/>
             <a:r>
-              <a:rPr lang="hu-HU" smtClean="0"/>
+              <a:rPr lang="hu-HU"/>
               <a:t>Negyedik szint</a:t>
             </a:r>
           </a:p>
           <a:p>
             <a:pPr lvl="4"/>
             <a:r>
-              <a:rPr lang="hu-HU" smtClean="0"/>
+              <a:rPr lang="hu-HU"/>
               <a:t>Ötödik szint</a:t>
             </a:r>
             <a:endParaRPr lang="en-US" dirty="0"/>
@@ -605,7 +611,7 @@
           <a:p>
             <a:fld id="{87DE6118-2437-4B30-8E3C-4D2BE6020583}" type="datetimeFigureOut">
               <a:rPr lang="en-US" dirty="0"/>
-              <a:t>3/21/2022</a:t>
+              <a:t>4/10/2022</a:t>
             </a:fld>
             <a:endParaRPr lang="en-US" dirty="0"/>
           </a:p>
@@ -699,7 +705,7 @@
           <a:lstStyle/>
           <a:p>
             <a:r>
-              <a:rPr lang="hu-HU" smtClean="0"/>
+              <a:rPr lang="hu-HU"/>
               <a:t>Mintacím szerkesztése</a:t>
             </a:r>
             <a:endParaRPr lang="en-US" dirty="0"/>
@@ -728,35 +734,35 @@
           <a:p>
             <a:pPr lvl="0"/>
             <a:r>
-              <a:rPr lang="hu-HU" smtClean="0"/>
+              <a:rPr lang="hu-HU"/>
               <a:t>Mintaszöveg szerkesztése</a:t>
             </a:r>
           </a:p>
           <a:p>
             <a:pPr lvl="1"/>
             <a:r>
-              <a:rPr lang="hu-HU" smtClean="0"/>
+              <a:rPr lang="hu-HU"/>
               <a:t>Második szint</a:t>
             </a:r>
           </a:p>
           <a:p>
             <a:pPr lvl="2"/>
             <a:r>
-              <a:rPr lang="hu-HU" smtClean="0"/>
+              <a:rPr lang="hu-HU"/>
               <a:t>Harmadik szint</a:t>
             </a:r>
           </a:p>
           <a:p>
             <a:pPr lvl="3"/>
             <a:r>
-              <a:rPr lang="hu-HU" smtClean="0"/>
+              <a:rPr lang="hu-HU"/>
               <a:t>Negyedik szint</a:t>
             </a:r>
           </a:p>
           <a:p>
             <a:pPr lvl="4"/>
             <a:r>
-              <a:rPr lang="hu-HU" smtClean="0"/>
+              <a:rPr lang="hu-HU"/>
               <a:t>Ötödik szint</a:t>
             </a:r>
             <a:endParaRPr lang="en-US" dirty="0"/>
@@ -780,7 +786,7 @@
           <a:p>
             <a:fld id="{87DE6118-2437-4B30-8E3C-4D2BE6020583}" type="datetimeFigureOut">
               <a:rPr lang="en-US" dirty="0"/>
-              <a:t>3/21/2022</a:t>
+              <a:t>4/10/2022</a:t>
             </a:fld>
             <a:endParaRPr lang="en-US" dirty="0"/>
           </a:p>
@@ -869,7 +875,7 @@
           <a:lstStyle/>
           <a:p>
             <a:r>
-              <a:rPr lang="hu-HU" smtClean="0"/>
+              <a:rPr lang="hu-HU"/>
               <a:t>Mintacím szerkesztése</a:t>
             </a:r>
             <a:endParaRPr lang="en-US" dirty="0"/>
@@ -893,35 +899,35 @@
           <a:p>
             <a:pPr lvl="0"/>
             <a:r>
-              <a:rPr lang="hu-HU" smtClean="0"/>
+              <a:rPr lang="hu-HU"/>
               <a:t>Mintaszöveg szerkesztése</a:t>
             </a:r>
           </a:p>
           <a:p>
             <a:pPr lvl="1"/>
             <a:r>
-              <a:rPr lang="hu-HU" smtClean="0"/>
+              <a:rPr lang="hu-HU"/>
               <a:t>Második szint</a:t>
             </a:r>
           </a:p>
           <a:p>
             <a:pPr lvl="2"/>
             <a:r>
-              <a:rPr lang="hu-HU" smtClean="0"/>
+              <a:rPr lang="hu-HU"/>
               <a:t>Harmadik szint</a:t>
             </a:r>
           </a:p>
           <a:p>
             <a:pPr lvl="3"/>
             <a:r>
-              <a:rPr lang="hu-HU" smtClean="0"/>
+              <a:rPr lang="hu-HU"/>
               <a:t>Negyedik szint</a:t>
             </a:r>
           </a:p>
           <a:p>
             <a:pPr lvl="4"/>
             <a:r>
-              <a:rPr lang="hu-HU" smtClean="0"/>
+              <a:rPr lang="hu-HU"/>
               <a:t>Ötödik szint</a:t>
             </a:r>
             <a:endParaRPr lang="en-US" dirty="0"/>
@@ -945,7 +951,7 @@
           <a:p>
             <a:fld id="{87DE6118-2437-4B30-8E3C-4D2BE6020583}" type="datetimeFigureOut">
               <a:rPr lang="en-US" dirty="0"/>
-              <a:t>3/21/2022</a:t>
+              <a:t>4/10/2022</a:t>
             </a:fld>
             <a:endParaRPr lang="en-US" dirty="0"/>
           </a:p>
@@ -1054,7 +1060,7 @@
           </a:lstStyle>
           <a:p>
             <a:r>
-              <a:rPr lang="hu-HU" smtClean="0"/>
+              <a:rPr lang="hu-HU"/>
               <a:t>Mintacím szerkesztése</a:t>
             </a:r>
             <a:endParaRPr lang="en-US" dirty="0"/>
@@ -1181,7 +1187,7 @@
           <a:p>
             <a:pPr lvl="0"/>
             <a:r>
-              <a:rPr lang="hu-HU" smtClean="0"/>
+              <a:rPr lang="hu-HU"/>
               <a:t>Mintaszöveg szerkesztése</a:t>
             </a:r>
           </a:p>
@@ -1218,7 +1224,7 @@
             <a:fld id="{87DE6118-2437-4B30-8E3C-4D2BE6020583}" type="datetimeFigureOut">
               <a:rPr lang="en-US" dirty="0"/>
               <a:pPr/>
-              <a:t>3/21/2022</a:t>
+              <a:t>4/10/2022</a:t>
             </a:fld>
             <a:endParaRPr lang="en-US" dirty="0"/>
           </a:p>
@@ -1398,7 +1404,7 @@
           </a:lstStyle>
           <a:p>
             <a:r>
-              <a:rPr lang="hu-HU" smtClean="0"/>
+              <a:rPr lang="hu-HU"/>
               <a:t>Mintacím szerkesztése</a:t>
             </a:r>
             <a:endParaRPr lang="en-US" dirty="0"/>
@@ -1463,35 +1469,35 @@
           <a:p>
             <a:pPr lvl="0"/>
             <a:r>
-              <a:rPr lang="hu-HU" smtClean="0"/>
+              <a:rPr lang="hu-HU"/>
               <a:t>Mintaszöveg szerkesztése</a:t>
             </a:r>
           </a:p>
           <a:p>
             <a:pPr lvl="1"/>
             <a:r>
-              <a:rPr lang="hu-HU" smtClean="0"/>
+              <a:rPr lang="hu-HU"/>
               <a:t>Második szint</a:t>
             </a:r>
           </a:p>
           <a:p>
             <a:pPr lvl="2"/>
             <a:r>
-              <a:rPr lang="hu-HU" smtClean="0"/>
+              <a:rPr lang="hu-HU"/>
               <a:t>Harmadik szint</a:t>
             </a:r>
           </a:p>
           <a:p>
             <a:pPr lvl="3"/>
             <a:r>
-              <a:rPr lang="hu-HU" smtClean="0"/>
+              <a:rPr lang="hu-HU"/>
               <a:t>Negyedik szint</a:t>
             </a:r>
           </a:p>
           <a:p>
             <a:pPr lvl="4"/>
             <a:r>
-              <a:rPr lang="hu-HU" smtClean="0"/>
+              <a:rPr lang="hu-HU"/>
               <a:t>Ötödik szint</a:t>
             </a:r>
             <a:endParaRPr lang="en-US" dirty="0"/>
@@ -1556,35 +1562,35 @@
           <a:p>
             <a:pPr lvl="0"/>
             <a:r>
-              <a:rPr lang="hu-HU" smtClean="0"/>
+              <a:rPr lang="hu-HU"/>
               <a:t>Mintaszöveg szerkesztése</a:t>
             </a:r>
           </a:p>
           <a:p>
             <a:pPr lvl="1"/>
             <a:r>
-              <a:rPr lang="hu-HU" smtClean="0"/>
+              <a:rPr lang="hu-HU"/>
               <a:t>Második szint</a:t>
             </a:r>
           </a:p>
           <a:p>
             <a:pPr lvl="2"/>
             <a:r>
-              <a:rPr lang="hu-HU" smtClean="0"/>
+              <a:rPr lang="hu-HU"/>
               <a:t>Harmadik szint</a:t>
             </a:r>
           </a:p>
           <a:p>
             <a:pPr lvl="3"/>
             <a:r>
-              <a:rPr lang="hu-HU" smtClean="0"/>
+              <a:rPr lang="hu-HU"/>
               <a:t>Negyedik szint</a:t>
             </a:r>
           </a:p>
           <a:p>
             <a:pPr lvl="4"/>
             <a:r>
-              <a:rPr lang="hu-HU" smtClean="0"/>
+              <a:rPr lang="hu-HU"/>
               <a:t>Ötödik szint</a:t>
             </a:r>
             <a:endParaRPr lang="en-US" dirty="0"/>
@@ -1608,7 +1614,7 @@
           <a:p>
             <a:fld id="{87DE6118-2437-4B30-8E3C-4D2BE6020583}" type="datetimeFigureOut">
               <a:rPr lang="en-US" dirty="0"/>
-              <a:t>3/21/2022</a:t>
+              <a:t>4/10/2022</a:t>
             </a:fld>
             <a:endParaRPr lang="en-US" dirty="0"/>
           </a:p>
@@ -1710,7 +1716,7 @@
           </a:lstStyle>
           <a:p>
             <a:r>
-              <a:rPr lang="hu-HU" smtClean="0"/>
+              <a:rPr lang="hu-HU"/>
               <a:t>Mintacím szerkesztése</a:t>
             </a:r>
             <a:endParaRPr lang="en-US" dirty="0"/>
@@ -1791,7 +1797,7 @@
           <a:p>
             <a:pPr lvl="0"/>
             <a:r>
-              <a:rPr lang="hu-HU" smtClean="0"/>
+              <a:rPr lang="hu-HU"/>
               <a:t>Mintaszöveg szerkesztése</a:t>
             </a:r>
           </a:p>
@@ -1855,35 +1861,35 @@
           <a:p>
             <a:pPr lvl="0"/>
             <a:r>
-              <a:rPr lang="hu-HU" smtClean="0"/>
+              <a:rPr lang="hu-HU"/>
               <a:t>Mintaszöveg szerkesztése</a:t>
             </a:r>
           </a:p>
           <a:p>
             <a:pPr lvl="1"/>
             <a:r>
-              <a:rPr lang="hu-HU" smtClean="0"/>
+              <a:rPr lang="hu-HU"/>
               <a:t>Második szint</a:t>
             </a:r>
           </a:p>
           <a:p>
             <a:pPr lvl="2"/>
             <a:r>
-              <a:rPr lang="hu-HU" smtClean="0"/>
+              <a:rPr lang="hu-HU"/>
               <a:t>Harmadik szint</a:t>
             </a:r>
           </a:p>
           <a:p>
             <a:pPr lvl="3"/>
             <a:r>
-              <a:rPr lang="hu-HU" smtClean="0"/>
+              <a:rPr lang="hu-HU"/>
               <a:t>Negyedik szint</a:t>
             </a:r>
           </a:p>
           <a:p>
             <a:pPr lvl="4"/>
             <a:r>
-              <a:rPr lang="hu-HU" smtClean="0"/>
+              <a:rPr lang="hu-HU"/>
               <a:t>Ötödik szint</a:t>
             </a:r>
             <a:endParaRPr lang="en-US" dirty="0"/>
@@ -1964,7 +1970,7 @@
           <a:p>
             <a:pPr lvl="0"/>
             <a:r>
-              <a:rPr lang="hu-HU" smtClean="0"/>
+              <a:rPr lang="hu-HU"/>
               <a:t>Mintaszöveg szerkesztése</a:t>
             </a:r>
           </a:p>
@@ -2028,35 +2034,35 @@
           <a:p>
             <a:pPr lvl="0"/>
             <a:r>
-              <a:rPr lang="hu-HU" smtClean="0"/>
+              <a:rPr lang="hu-HU"/>
               <a:t>Mintaszöveg szerkesztése</a:t>
             </a:r>
           </a:p>
           <a:p>
             <a:pPr lvl="1"/>
             <a:r>
-              <a:rPr lang="hu-HU" smtClean="0"/>
+              <a:rPr lang="hu-HU"/>
               <a:t>Második szint</a:t>
             </a:r>
           </a:p>
           <a:p>
             <a:pPr lvl="2"/>
             <a:r>
-              <a:rPr lang="hu-HU" smtClean="0"/>
+              <a:rPr lang="hu-HU"/>
               <a:t>Harmadik szint</a:t>
             </a:r>
           </a:p>
           <a:p>
             <a:pPr lvl="3"/>
             <a:r>
-              <a:rPr lang="hu-HU" smtClean="0"/>
+              <a:rPr lang="hu-HU"/>
               <a:t>Negyedik szint</a:t>
             </a:r>
           </a:p>
           <a:p>
             <a:pPr lvl="4"/>
             <a:r>
-              <a:rPr lang="hu-HU" smtClean="0"/>
+              <a:rPr lang="hu-HU"/>
               <a:t>Ötödik szint</a:t>
             </a:r>
             <a:endParaRPr lang="en-US" dirty="0"/>
@@ -2080,7 +2086,7 @@
           <a:p>
             <a:fld id="{87DE6118-2437-4B30-8E3C-4D2BE6020583}" type="datetimeFigureOut">
               <a:rPr lang="en-US" dirty="0"/>
-              <a:t>3/21/2022</a:t>
+              <a:t>4/10/2022</a:t>
             </a:fld>
             <a:endParaRPr lang="en-US" dirty="0"/>
           </a:p>
@@ -2169,7 +2175,7 @@
           <a:lstStyle/>
           <a:p>
             <a:r>
-              <a:rPr lang="hu-HU" smtClean="0"/>
+              <a:rPr lang="hu-HU"/>
               <a:t>Mintacím szerkesztése</a:t>
             </a:r>
             <a:endParaRPr lang="en-US" dirty="0"/>
@@ -2193,7 +2199,7 @@
           <a:p>
             <a:fld id="{87DE6118-2437-4B30-8E3C-4D2BE6020583}" type="datetimeFigureOut">
               <a:rPr lang="en-US" dirty="0"/>
-              <a:t>3/21/2022</a:t>
+              <a:t>4/10/2022</a:t>
             </a:fld>
             <a:endParaRPr lang="en-US" dirty="0"/>
           </a:p>
@@ -2283,7 +2289,7 @@
           <a:p>
             <a:fld id="{87DE6118-2437-4B30-8E3C-4D2BE6020583}" type="datetimeFigureOut">
               <a:rPr lang="en-US" dirty="0"/>
-              <a:t>3/21/2022</a:t>
+              <a:t>4/10/2022</a:t>
             </a:fld>
             <a:endParaRPr lang="en-US" dirty="0"/>
           </a:p>
@@ -2428,7 +2434,7 @@
           </a:lstStyle>
           <a:p>
             <a:r>
-              <a:rPr lang="hu-HU" smtClean="0"/>
+              <a:rPr lang="hu-HU"/>
               <a:t>Mintacím szerkesztése</a:t>
             </a:r>
             <a:endParaRPr lang="en-US" dirty="0"/>
@@ -2485,35 +2491,35 @@
           <a:p>
             <a:pPr lvl="0"/>
             <a:r>
-              <a:rPr lang="hu-HU" smtClean="0"/>
+              <a:rPr lang="hu-HU"/>
               <a:t>Mintaszöveg szerkesztése</a:t>
             </a:r>
           </a:p>
           <a:p>
             <a:pPr lvl="1"/>
             <a:r>
-              <a:rPr lang="hu-HU" smtClean="0"/>
+              <a:rPr lang="hu-HU"/>
               <a:t>Második szint</a:t>
             </a:r>
           </a:p>
           <a:p>
             <a:pPr lvl="2"/>
             <a:r>
-              <a:rPr lang="hu-HU" smtClean="0"/>
+              <a:rPr lang="hu-HU"/>
               <a:t>Harmadik szint</a:t>
             </a:r>
           </a:p>
           <a:p>
             <a:pPr lvl="3"/>
             <a:r>
-              <a:rPr lang="hu-HU" smtClean="0"/>
+              <a:rPr lang="hu-HU"/>
               <a:t>Negyedik szint</a:t>
             </a:r>
           </a:p>
           <a:p>
             <a:pPr lvl="4"/>
             <a:r>
-              <a:rPr lang="hu-HU" smtClean="0"/>
+              <a:rPr lang="hu-HU"/>
               <a:t>Ötödik szint</a:t>
             </a:r>
             <a:endParaRPr lang="en-US" dirty="0"/>
@@ -2588,7 +2594,7 @@
           <a:p>
             <a:pPr lvl="0"/>
             <a:r>
-              <a:rPr lang="hu-HU" smtClean="0"/>
+              <a:rPr lang="hu-HU"/>
               <a:t>Mintaszöveg szerkesztése</a:t>
             </a:r>
           </a:p>
@@ -2625,7 +2631,7 @@
             <a:fld id="{87DE6118-2437-4B30-8E3C-4D2BE6020583}" type="datetimeFigureOut">
               <a:rPr lang="en-US" dirty="0"/>
               <a:pPr/>
-              <a:t>3/21/2022</a:t>
+              <a:t>4/10/2022</a:t>
             </a:fld>
             <a:endParaRPr lang="en-US" dirty="0"/>
           </a:p>
@@ -2831,7 +2837,7 @@
           </a:lstStyle>
           <a:p>
             <a:r>
-              <a:rPr lang="hu-HU" smtClean="0"/>
+              <a:rPr lang="hu-HU"/>
               <a:t>Mintacím szerkesztése</a:t>
             </a:r>
             <a:endParaRPr lang="en-US" dirty="0"/>
@@ -2898,7 +2904,7 @@
           </a:lstStyle>
           <a:p>
             <a:r>
-              <a:rPr lang="hu-HU" smtClean="0"/>
+              <a:rPr lang="hu-HU"/>
               <a:t>Kép beszúrásához kattintson az ikonra</a:t>
             </a:r>
             <a:endParaRPr lang="en-US" dirty="0"/>
@@ -2973,7 +2979,7 @@
           <a:p>
             <a:pPr lvl="0"/>
             <a:r>
-              <a:rPr lang="hu-HU" smtClean="0"/>
+              <a:rPr lang="hu-HU"/>
               <a:t>Mintaszöveg szerkesztése</a:t>
             </a:r>
           </a:p>
@@ -3010,7 +3016,7 @@
             <a:fld id="{87DE6118-2437-4B30-8E3C-4D2BE6020583}" type="datetimeFigureOut">
               <a:rPr lang="en-US" dirty="0"/>
               <a:pPr/>
-              <a:t>3/21/2022</a:t>
+              <a:t>4/10/2022</a:t>
             </a:fld>
             <a:endParaRPr lang="en-US" dirty="0"/>
           </a:p>
@@ -3182,7 +3188,7 @@
           <a:lstStyle/>
           <a:p>
             <a:r>
-              <a:rPr lang="hu-HU" smtClean="0"/>
+              <a:rPr lang="hu-HU"/>
               <a:t>Mintacím szerkesztése</a:t>
             </a:r>
             <a:endParaRPr lang="en-US" dirty="0"/>
@@ -3216,35 +3222,35 @@
           <a:p>
             <a:pPr lvl="0"/>
             <a:r>
-              <a:rPr lang="hu-HU" smtClean="0"/>
+              <a:rPr lang="hu-HU"/>
               <a:t>Mintaszöveg szerkesztése</a:t>
             </a:r>
           </a:p>
           <a:p>
             <a:pPr lvl="1"/>
             <a:r>
-              <a:rPr lang="hu-HU" smtClean="0"/>
+              <a:rPr lang="hu-HU"/>
               <a:t>Második szint</a:t>
             </a:r>
           </a:p>
           <a:p>
             <a:pPr lvl="2"/>
             <a:r>
-              <a:rPr lang="hu-HU" smtClean="0"/>
+              <a:rPr lang="hu-HU"/>
               <a:t>Harmadik szint</a:t>
             </a:r>
           </a:p>
           <a:p>
             <a:pPr lvl="3"/>
             <a:r>
-              <a:rPr lang="hu-HU" smtClean="0"/>
+              <a:rPr lang="hu-HU"/>
               <a:t>Negyedik szint</a:t>
             </a:r>
           </a:p>
           <a:p>
             <a:pPr lvl="4"/>
             <a:r>
-              <a:rPr lang="hu-HU" smtClean="0"/>
+              <a:rPr lang="hu-HU"/>
               <a:t>Ötödik szint</a:t>
             </a:r>
             <a:endParaRPr lang="en-US" dirty="0"/>
@@ -3285,7 +3291,7 @@
             <a:fld id="{87DE6118-2437-4B30-8E3C-4D2BE6020583}" type="datetimeFigureOut">
               <a:rPr lang="en-US" dirty="0"/>
               <a:pPr/>
-              <a:t>3/21/2022</a:t>
+              <a:t>4/10/2022</a:t>
             </a:fld>
             <a:endParaRPr lang="en-US" dirty="0"/>
           </a:p>
@@ -3727,7 +3733,7 @@
       </a:lvl9pPr>
     </p:otherStyle>
   </p:txStyles>
-  <p:extLst mod="1">
+  <p:extLst>
     <p:ext uri="{27BBF7A9-308A-43DC-89C8-2F10F3537804}">
       <p15:sldGuideLst xmlns:p15="http://schemas.microsoft.com/office/powerpoint/2012/main">
         <p15:guide id="3" orient="horz" pos="1368">
@@ -3809,10 +3815,9 @@
           <a:lstStyle/>
           <a:p>
             <a:r>
-              <a:rPr lang="hu-HU" dirty="0" smtClean="0"/>
+              <a:rPr lang="hu-HU" dirty="0"/>
               <a:t>Projekt: nevezetességek</a:t>
             </a:r>
-            <a:endParaRPr lang="hu-HU" dirty="0"/>
           </a:p>
         </p:txBody>
       </p:sp>
@@ -3837,20 +3842,16 @@
           <a:lstStyle/>
           <a:p>
             <a:r>
-              <a:rPr lang="hu-HU" dirty="0" smtClean="0"/>
+              <a:rPr lang="hu-HU" dirty="0"/>
               <a:t>Készítette: </a:t>
             </a:r>
             <a:r>
-              <a:rPr lang="hu-HU" dirty="0" err="1" smtClean="0"/>
+              <a:rPr lang="hu-HU" dirty="0" err="1"/>
               <a:t>Bruder</a:t>
             </a:r>
             <a:r>
-              <a:rPr lang="hu-HU" dirty="0" smtClean="0"/>
-              <a:t> Milán,</a:t>
-            </a:r>
-            <a:r>
               <a:rPr lang="hu-HU" dirty="0"/>
-              <a:t> </a:t>
+              <a:t> Milán, </a:t>
             </a:r>
             <a:r>
               <a:rPr lang="hu-HU" dirty="0" err="1"/>
@@ -3909,10 +3910,9 @@
           <a:lstStyle/>
           <a:p>
             <a:r>
-              <a:rPr lang="hu-HU" dirty="0" smtClean="0"/>
+              <a:rPr lang="hu-HU" dirty="0"/>
               <a:t>Projekt menete, nehézségek illetve előnyök</a:t>
             </a:r>
-            <a:endParaRPr lang="hu-HU" dirty="0"/>
           </a:p>
         </p:txBody>
       </p:sp>
@@ -3932,36 +3932,35 @@
           <a:lstStyle/>
           <a:p>
             <a:r>
-              <a:rPr lang="hu-HU" dirty="0" smtClean="0"/>
+              <a:rPr lang="hu-HU" dirty="0"/>
               <a:t>A </a:t>
             </a:r>
             <a:r>
-              <a:rPr lang="hu-HU" dirty="0" err="1" smtClean="0"/>
+              <a:rPr lang="hu-HU" dirty="0" err="1"/>
               <a:t>python</a:t>
             </a:r>
             <a:r>
-              <a:rPr lang="hu-HU" dirty="0" smtClean="0"/>
+              <a:rPr lang="hu-HU" dirty="0"/>
               <a:t> programnyelvet már használtuk és alkalmaztuk, nem volt olyan nehéz használni</a:t>
             </a:r>
           </a:p>
           <a:p>
             <a:r>
-              <a:rPr lang="hu-HU" dirty="0" smtClean="0"/>
+              <a:rPr lang="hu-HU" dirty="0"/>
               <a:t>Kb. 2 tanóra volt a program elkészítésére szánt idő</a:t>
             </a:r>
           </a:p>
           <a:p>
             <a:r>
-              <a:rPr lang="hu-HU" dirty="0" smtClean="0"/>
+              <a:rPr lang="hu-HU" dirty="0"/>
               <a:t>Konfliktus és fennakadás sem volt</a:t>
             </a:r>
           </a:p>
           <a:p>
             <a:r>
-              <a:rPr lang="hu-HU" dirty="0" smtClean="0"/>
+              <a:rPr lang="hu-HU" dirty="0"/>
               <a:t>Jó hangulatban készült a projekt</a:t>
             </a:r>
-            <a:endParaRPr lang="hu-HU" dirty="0"/>
           </a:p>
         </p:txBody>
       </p:sp>
@@ -4011,10 +4010,56 @@
           <a:lstStyle/>
           <a:p>
             <a:r>
-              <a:rPr lang="hu-HU" dirty="0" smtClean="0"/>
-              <a:t>Maga a projekt:</a:t>
-            </a:r>
+              <a:rPr lang="hu-HU" dirty="0"/>
+              <a:t>Csapattagok tapasztalatai:</a:t>
+            </a:r>
+            <a:br>
+              <a:rPr lang="hu-HU" dirty="0"/>
+            </a:br>
             <a:endParaRPr lang="hu-HU" dirty="0"/>
+          </a:p>
+        </p:txBody>
+      </p:sp>
+      <p:sp>
+        <p:nvSpPr>
+          <p:cNvPr id="3" name="Szövegdoboz 2">
+            <a:extLst>
+              <a:ext uri="{FF2B5EF4-FFF2-40B4-BE49-F238E27FC236}">
+                <a16:creationId xmlns:a16="http://schemas.microsoft.com/office/drawing/2014/main" id="{C4B3D336-EAFD-45F7-8080-1B701D037F01}"/>
+              </a:ext>
+            </a:extLst>
+          </p:cNvPr>
+          <p:cNvSpPr txBox="1"/>
+          <p:nvPr/>
+        </p:nvSpPr>
+        <p:spPr>
+          <a:xfrm>
+            <a:off x="1371600" y="1652631"/>
+            <a:ext cx="6241410" cy="1631216"/>
+          </a:xfrm>
+          <a:prstGeom prst="rect">
+            <a:avLst/>
+          </a:prstGeom>
+          <a:noFill/>
+        </p:spPr>
+        <p:txBody>
+          <a:bodyPr wrap="square" rtlCol="0">
+            <a:spAutoFit/>
+          </a:bodyPr>
+          <a:lstStyle/>
+          <a:p>
+            <a:pPr marL="285750" indent="-285750">
+              <a:buFont typeface="Arial" panose="020B0604020202020204" pitchFamily="34" charset="0"/>
+              <a:buChar char="•"/>
+            </a:pPr>
+            <a:r>
+              <a:rPr lang="hu-HU" sz="2000" u="sng" dirty="0"/>
+              <a:t>Ádám:</a:t>
+            </a:r>
+            <a:r>
+              <a:rPr lang="hu-HU" sz="2000" dirty="0"/>
+              <a:t> Milán kreatív ötlettel állt elő, amiben szerencsére én is tudtam segíteni, a munkavégzéssel nem volt probléma, illetve nem volt konfliktus sem vagy bármi féle nézet eltérés. Jó hangulatban folyt a munka.</a:t>
+            </a:r>
           </a:p>
         </p:txBody>
       </p:sp>
@@ -4022,6 +4067,154 @@
     <p:extLst>
       <p:ext uri="{BB962C8B-B14F-4D97-AF65-F5344CB8AC3E}">
         <p14:creationId xmlns:p14="http://schemas.microsoft.com/office/powerpoint/2010/main" val="198400529"/>
+      </p:ext>
+    </p:extLst>
+  </p:cSld>
+  <p:clrMapOvr>
+    <a:masterClrMapping/>
+  </p:clrMapOvr>
+</p:sld>
+</file>
+
+<file path=ppt/slides/slide4.xml><?xml version="1.0" encoding="utf-8"?>
+<p:sld xmlns:a="http://schemas.openxmlformats.org/drawingml/2006/main" xmlns:r="http://schemas.openxmlformats.org/officeDocument/2006/relationships" xmlns:p="http://schemas.openxmlformats.org/presentationml/2006/main">
+  <p:cSld>
+    <p:spTree>
+      <p:nvGrpSpPr>
+        <p:cNvPr id="1" name=""/>
+        <p:cNvGrpSpPr/>
+        <p:nvPr/>
+      </p:nvGrpSpPr>
+      <p:grpSpPr>
+        <a:xfrm>
+          <a:off x="0" y="0"/>
+          <a:ext cx="0" cy="0"/>
+          <a:chOff x="0" y="0"/>
+          <a:chExt cx="0" cy="0"/>
+        </a:xfrm>
+      </p:grpSpPr>
+      <p:sp>
+        <p:nvSpPr>
+          <p:cNvPr id="2" name="Cím 1">
+            <a:extLst>
+              <a:ext uri="{FF2B5EF4-FFF2-40B4-BE49-F238E27FC236}">
+                <a16:creationId xmlns:a16="http://schemas.microsoft.com/office/drawing/2014/main" id="{2913F4FA-0E11-4159-8D0A-FE133A6430B0}"/>
+              </a:ext>
+            </a:extLst>
+          </p:cNvPr>
+          <p:cNvSpPr>
+            <a:spLocks noGrp="1"/>
+          </p:cNvSpPr>
+          <p:nvPr>
+            <p:ph type="title"/>
+          </p:nvPr>
+        </p:nvSpPr>
+        <p:spPr/>
+        <p:txBody>
+          <a:bodyPr/>
+          <a:lstStyle/>
+          <a:p>
+            <a:r>
+              <a:rPr lang="hu-HU" dirty="0"/>
+              <a:t>Képek a programról és a weboldalról</a:t>
+            </a:r>
+          </a:p>
+        </p:txBody>
+      </p:sp>
+      <p:pic>
+        <p:nvPicPr>
+          <p:cNvPr id="5" name="Kép 4">
+            <a:extLst>
+              <a:ext uri="{FF2B5EF4-FFF2-40B4-BE49-F238E27FC236}">
+                <a16:creationId xmlns:a16="http://schemas.microsoft.com/office/drawing/2014/main" id="{9A3CF721-35C9-4ADE-AB9A-DDD7D9F22822}"/>
+              </a:ext>
+            </a:extLst>
+          </p:cNvPr>
+          <p:cNvPicPr>
+            <a:picLocks noChangeAspect="1"/>
+          </p:cNvPicPr>
+          <p:nvPr/>
+        </p:nvPicPr>
+        <p:blipFill>
+          <a:blip r:embed="rId2"/>
+          <a:stretch>
+            <a:fillRect/>
+          </a:stretch>
+        </p:blipFill>
+        <p:spPr>
+          <a:xfrm>
+            <a:off x="766365" y="1392572"/>
+            <a:ext cx="3502387" cy="4554698"/>
+          </a:xfrm>
+          <a:prstGeom prst="rect">
+            <a:avLst/>
+          </a:prstGeom>
+        </p:spPr>
+      </p:pic>
+      <p:pic>
+        <p:nvPicPr>
+          <p:cNvPr id="7" name="Kép 6">
+            <a:extLst>
+              <a:ext uri="{FF2B5EF4-FFF2-40B4-BE49-F238E27FC236}">
+                <a16:creationId xmlns:a16="http://schemas.microsoft.com/office/drawing/2014/main" id="{0D3FE3AF-FCFA-468E-95C1-2AB07750D3D6}"/>
+              </a:ext>
+            </a:extLst>
+          </p:cNvPr>
+          <p:cNvPicPr>
+            <a:picLocks noChangeAspect="1"/>
+          </p:cNvPicPr>
+          <p:nvPr/>
+        </p:nvPicPr>
+        <p:blipFill>
+          <a:blip r:embed="rId3"/>
+          <a:stretch>
+            <a:fillRect/>
+          </a:stretch>
+        </p:blipFill>
+        <p:spPr>
+          <a:xfrm>
+            <a:off x="3030865" y="1428750"/>
+            <a:ext cx="3377468" cy="3679927"/>
+          </a:xfrm>
+          <a:prstGeom prst="rect">
+            <a:avLst/>
+          </a:prstGeom>
+        </p:spPr>
+      </p:pic>
+      <p:pic>
+        <p:nvPicPr>
+          <p:cNvPr id="9" name="Kép 8">
+            <a:extLst>
+              <a:ext uri="{FF2B5EF4-FFF2-40B4-BE49-F238E27FC236}">
+                <a16:creationId xmlns:a16="http://schemas.microsoft.com/office/drawing/2014/main" id="{6365A9B3-A4D6-4F5E-872F-C31C9C60BF26}"/>
+              </a:ext>
+            </a:extLst>
+          </p:cNvPr>
+          <p:cNvPicPr>
+            <a:picLocks noChangeAspect="1"/>
+          </p:cNvPicPr>
+          <p:nvPr/>
+        </p:nvPicPr>
+        <p:blipFill>
+          <a:blip r:embed="rId4"/>
+          <a:stretch>
+            <a:fillRect/>
+          </a:stretch>
+        </p:blipFill>
+        <p:spPr>
+          <a:xfrm>
+            <a:off x="4268752" y="4998638"/>
+            <a:ext cx="1743318" cy="933580"/>
+          </a:xfrm>
+          <a:prstGeom prst="rect">
+            <a:avLst/>
+          </a:prstGeom>
+        </p:spPr>
+      </p:pic>
+    </p:spTree>
+    <p:extLst>
+      <p:ext uri="{BB962C8B-B14F-4D97-AF65-F5344CB8AC3E}">
+        <p14:creationId xmlns:p14="http://schemas.microsoft.com/office/powerpoint/2010/main" val="3799096313"/>
       </p:ext>
     </p:extLst>
   </p:cSld>

--- a/Readme/Projekt.pptx
+++ b/Readme/Projekt.pptx
@@ -4063,6 +4063,41 @@
           </a:p>
         </p:txBody>
       </p:sp>
+      <p:sp>
+        <p:nvSpPr>
+          <p:cNvPr id="4" name="Szövegdoboz 3">
+            <a:extLst>
+              <a:ext uri="{FF2B5EF4-FFF2-40B4-BE49-F238E27FC236}">
+                <a16:creationId xmlns:a16="http://schemas.microsoft.com/office/drawing/2014/main" id="{23248A52-5FE8-4E4A-BEAA-CC717A20EC23}"/>
+              </a:ext>
+            </a:extLst>
+          </p:cNvPr>
+          <p:cNvSpPr txBox="1"/>
+          <p:nvPr/>
+        </p:nvSpPr>
+        <p:spPr>
+          <a:xfrm>
+            <a:off x="1371600" y="4001549"/>
+            <a:ext cx="6404995" cy="646331"/>
+          </a:xfrm>
+          <a:prstGeom prst="rect">
+            <a:avLst/>
+          </a:prstGeom>
+          <a:noFill/>
+        </p:spPr>
+        <p:txBody>
+          <a:bodyPr wrap="square" rtlCol="0">
+            <a:spAutoFit/>
+          </a:bodyPr>
+          <a:lstStyle/>
+          <a:p>
+            <a:r>
+              <a:rPr lang="hu-HU" dirty="0"/>
+              <a:t>Milán: Gördülékeny és könnyű volt a munka a saját tapasztalataimmal illetve az interneten talált anyagokkal. </a:t>
+            </a:r>
+          </a:p>
+        </p:txBody>
+      </p:sp>
     </p:spTree>
     <p:extLst>
       <p:ext uri="{BB962C8B-B14F-4D97-AF65-F5344CB8AC3E}">

--- a/Readme/Projekt.pptx
+++ b/Readme/Projekt.pptx
@@ -285,7 +285,7 @@
             <a:fld id="{87DE6118-2437-4B30-8E3C-4D2BE6020583}" type="datetimeFigureOut">
               <a:rPr lang="en-US" dirty="0"/>
               <a:pPr/>
-              <a:t>4/10/2022</a:t>
+              <a:t>4/11/2022</a:t>
             </a:fld>
             <a:endParaRPr lang="en-US" dirty="0"/>
           </a:p>
@@ -611,7 +611,7 @@
           <a:p>
             <a:fld id="{87DE6118-2437-4B30-8E3C-4D2BE6020583}" type="datetimeFigureOut">
               <a:rPr lang="en-US" dirty="0"/>
-              <a:t>4/10/2022</a:t>
+              <a:t>4/11/2022</a:t>
             </a:fld>
             <a:endParaRPr lang="en-US" dirty="0"/>
           </a:p>
@@ -786,7 +786,7 @@
           <a:p>
             <a:fld id="{87DE6118-2437-4B30-8E3C-4D2BE6020583}" type="datetimeFigureOut">
               <a:rPr lang="en-US" dirty="0"/>
-              <a:t>4/10/2022</a:t>
+              <a:t>4/11/2022</a:t>
             </a:fld>
             <a:endParaRPr lang="en-US" dirty="0"/>
           </a:p>
@@ -951,7 +951,7 @@
           <a:p>
             <a:fld id="{87DE6118-2437-4B30-8E3C-4D2BE6020583}" type="datetimeFigureOut">
               <a:rPr lang="en-US" dirty="0"/>
-              <a:t>4/10/2022</a:t>
+              <a:t>4/11/2022</a:t>
             </a:fld>
             <a:endParaRPr lang="en-US" dirty="0"/>
           </a:p>
@@ -1224,7 +1224,7 @@
             <a:fld id="{87DE6118-2437-4B30-8E3C-4D2BE6020583}" type="datetimeFigureOut">
               <a:rPr lang="en-US" dirty="0"/>
               <a:pPr/>
-              <a:t>4/10/2022</a:t>
+              <a:t>4/11/2022</a:t>
             </a:fld>
             <a:endParaRPr lang="en-US" dirty="0"/>
           </a:p>
@@ -1614,7 +1614,7 @@
           <a:p>
             <a:fld id="{87DE6118-2437-4B30-8E3C-4D2BE6020583}" type="datetimeFigureOut">
               <a:rPr lang="en-US" dirty="0"/>
-              <a:t>4/10/2022</a:t>
+              <a:t>4/11/2022</a:t>
             </a:fld>
             <a:endParaRPr lang="en-US" dirty="0"/>
           </a:p>
@@ -2086,7 +2086,7 @@
           <a:p>
             <a:fld id="{87DE6118-2437-4B30-8E3C-4D2BE6020583}" type="datetimeFigureOut">
               <a:rPr lang="en-US" dirty="0"/>
-              <a:t>4/10/2022</a:t>
+              <a:t>4/11/2022</a:t>
             </a:fld>
             <a:endParaRPr lang="en-US" dirty="0"/>
           </a:p>
@@ -2199,7 +2199,7 @@
           <a:p>
             <a:fld id="{87DE6118-2437-4B30-8E3C-4D2BE6020583}" type="datetimeFigureOut">
               <a:rPr lang="en-US" dirty="0"/>
-              <a:t>4/10/2022</a:t>
+              <a:t>4/11/2022</a:t>
             </a:fld>
             <a:endParaRPr lang="en-US" dirty="0"/>
           </a:p>
@@ -2289,7 +2289,7 @@
           <a:p>
             <a:fld id="{87DE6118-2437-4B30-8E3C-4D2BE6020583}" type="datetimeFigureOut">
               <a:rPr lang="en-US" dirty="0"/>
-              <a:t>4/10/2022</a:t>
+              <a:t>4/11/2022</a:t>
             </a:fld>
             <a:endParaRPr lang="en-US" dirty="0"/>
           </a:p>
@@ -2631,7 +2631,7 @@
             <a:fld id="{87DE6118-2437-4B30-8E3C-4D2BE6020583}" type="datetimeFigureOut">
               <a:rPr lang="en-US" dirty="0"/>
               <a:pPr/>
-              <a:t>4/10/2022</a:t>
+              <a:t>4/11/2022</a:t>
             </a:fld>
             <a:endParaRPr lang="en-US" dirty="0"/>
           </a:p>
@@ -3016,7 +3016,7 @@
             <a:fld id="{87DE6118-2437-4B30-8E3C-4D2BE6020583}" type="datetimeFigureOut">
               <a:rPr lang="en-US" dirty="0"/>
               <a:pPr/>
-              <a:t>4/10/2022</a:t>
+              <a:t>4/11/2022</a:t>
             </a:fld>
             <a:endParaRPr lang="en-US" dirty="0"/>
           </a:p>
@@ -3291,7 +3291,7 @@
             <a:fld id="{87DE6118-2437-4B30-8E3C-4D2BE6020583}" type="datetimeFigureOut">
               <a:rPr lang="en-US" dirty="0"/>
               <a:pPr/>
-              <a:t>4/10/2022</a:t>
+              <a:t>4/11/2022</a:t>
             </a:fld>
             <a:endParaRPr lang="en-US" dirty="0"/>
           </a:p>
@@ -3815,7 +3815,7 @@
           <a:lstStyle/>
           <a:p>
             <a:r>
-              <a:rPr lang="hu-HU" dirty="0"/>
+              <a:rPr lang="hu-HU" b="1" dirty="0"/>
               <a:t>Projekt: nevezetességek</a:t>
             </a:r>
           </a:p>
@@ -3910,7 +3910,7 @@
           <a:lstStyle/>
           <a:p>
             <a:r>
-              <a:rPr lang="hu-HU" dirty="0"/>
+              <a:rPr lang="hu-HU" b="1" dirty="0"/>
               <a:t>Projekt menete, nehézségek illetve előnyök</a:t>
             </a:r>
           </a:p>
@@ -4010,13 +4010,13 @@
           <a:lstStyle/>
           <a:p>
             <a:r>
-              <a:rPr lang="hu-HU" dirty="0"/>
+              <a:rPr lang="hu-HU" b="1" dirty="0"/>
               <a:t>Csapattagok tapasztalatai:</a:t>
             </a:r>
             <a:br>
-              <a:rPr lang="hu-HU" dirty="0"/>
+              <a:rPr lang="hu-HU" b="1" dirty="0"/>
             </a:br>
-            <a:endParaRPr lang="hu-HU" dirty="0"/>
+            <a:endParaRPr lang="hu-HU" b="1" dirty="0"/>
           </a:p>
         </p:txBody>
       </p:sp>
@@ -4077,7 +4077,7 @@
         </p:nvSpPr>
         <p:spPr>
           <a:xfrm>
-            <a:off x="1371600" y="4001549"/>
+            <a:off x="1371600" y="3512907"/>
             <a:ext cx="6404995" cy="646331"/>
           </a:xfrm>
           <a:prstGeom prst="rect">
@@ -4091,9 +4091,17 @@
           </a:bodyPr>
           <a:lstStyle/>
           <a:p>
+            <a:pPr marL="285750" indent="-285750">
+              <a:buFont typeface="Arial" panose="020B0604020202020204" pitchFamily="34" charset="0"/>
+              <a:buChar char="•"/>
+            </a:pPr>
+            <a:r>
+              <a:rPr lang="hu-HU" u="sng" dirty="0"/>
+              <a:t>Milán: </a:t>
+            </a:r>
             <a:r>
               <a:rPr lang="hu-HU" dirty="0"/>
-              <a:t>Milán: Gördülékeny és könnyű volt a munka a saját tapasztalataimmal illetve az interneten talált anyagokkal. </a:t>
+              <a:t>Gördülékeny és könnyű volt a munka a saját tapasztalataimmal illetve az interneten talált anyagokkal. </a:t>
             </a:r>
           </a:p>
         </p:txBody>
@@ -4150,9 +4158,14 @@
           <a:lstStyle/>
           <a:p>
             <a:r>
-              <a:rPr lang="hu-HU" dirty="0"/>
-              <a:t>Képek a programról és a weboldalról</a:t>
-            </a:r>
+              <a:rPr lang="hu-HU" b="1" dirty="0"/>
+              <a:t>Képek a programról és a </a:t>
+            </a:r>
+            <a:r>
+              <a:rPr lang="hu-HU" b="1" dirty="0" smtClean="0"/>
+              <a:t>weboldalról:</a:t>
+            </a:r>
+            <a:endParaRPr lang="hu-HU" b="1" dirty="0"/>
           </a:p>
         </p:txBody>
       </p:sp>
@@ -4178,7 +4191,7 @@
         </p:blipFill>
         <p:spPr>
           <a:xfrm>
-            <a:off x="766365" y="1392572"/>
+            <a:off x="2580018" y="1392572"/>
             <a:ext cx="3502387" cy="4554698"/>
           </a:xfrm>
           <a:prstGeom prst="rect">
@@ -4208,7 +4221,7 @@
         </p:blipFill>
         <p:spPr>
           <a:xfrm>
-            <a:off x="3030865" y="1428750"/>
+            <a:off x="6082405" y="1392572"/>
             <a:ext cx="3377468" cy="3679927"/>
           </a:xfrm>
           <a:prstGeom prst="rect">
@@ -4238,7 +4251,7 @@
         </p:blipFill>
         <p:spPr>
           <a:xfrm>
-            <a:off x="4268752" y="4998638"/>
+            <a:off x="6082405" y="5072499"/>
             <a:ext cx="1743318" cy="933580"/>
           </a:xfrm>
           <a:prstGeom prst="rect">
